--- a/docs/lecture_slides/Week 2/Week2_Lecture3_Slides_1_19_2024.pptx
+++ b/docs/lecture_slides/Week 2/Week2_Lecture3_Slides_1_19_2024.pptx
@@ -15722,7 +15722,12 @@
             <p:ph type="title"/>
           </p:nvPr>
         </p:nvSpPr>
-        <p:spPr/>
+        <p:spPr>
+          <a:xfrm>
+            <a:off x="764309" y="0"/>
+            <a:ext cx="10515600" cy="1325563"/>
+          </a:xfrm>
+        </p:spPr>
         <p:txBody>
           <a:bodyPr/>
           <a:lstStyle/>
@@ -15737,10 +15742,10 @@
       </p:sp>
       <p:pic>
         <p:nvPicPr>
-          <p:cNvPr id="5" name="Picture 4">
+          <p:cNvPr id="4" name="Picture 3">
             <a:extLst>
               <a:ext uri="{FF2B5EF4-FFF2-40B4-BE49-F238E27FC236}">
-                <a16:creationId xmlns:a16="http://schemas.microsoft.com/office/drawing/2014/main" id="{D2A6CFA9-8621-1511-99AE-0343BA94DC76}"/>
+                <a16:creationId xmlns:a16="http://schemas.microsoft.com/office/drawing/2014/main" id="{BC445D82-BC54-E443-F806-44E9E15C1C53}"/>
               </a:ext>
             </a:extLst>
           </p:cNvPr>
@@ -15757,8 +15762,8 @@
         </p:blipFill>
         <p:spPr>
           <a:xfrm>
-            <a:off x="2499810" y="2324150"/>
-            <a:ext cx="7192379" cy="3410426"/>
+            <a:off x="1878155" y="1789972"/>
+            <a:ext cx="8287907" cy="4220164"/>
           </a:xfrm>
           <a:prstGeom prst="rect">
             <a:avLst/>
